--- a/Instructor-Led/Module4/Lessons/Module4_Lesson6 Hive Databases and Tables.pptx
+++ b/Instructor-Led/Module4/Lessons/Module4_Lesson6 Hive Databases and Tables.pptx
@@ -132,7 +132,7 @@
   </p:defaultTextStyle>
   <p:extLst>
     <p:ext uri="{EFAFB233-063F-42B5-8137-9DF3F51BA10A}">
-      <p15:sldGuideLst xmlns:p15="http://schemas.microsoft.com/office/powerpoint/2012/main" xmlns=""/>
+      <p15:sldGuideLst xmlns="" xmlns:p15="http://schemas.microsoft.com/office/powerpoint/2012/main"/>
     </p:ext>
   </p:extLst>
 </p:presentation>
@@ -237,7 +237,7 @@
             <a:fld id="{49B60EF2-7028-489F-85D8-FE86CD7CF2A0}" type="datetimeFigureOut">
               <a:rPr lang="en-US" smtClean="0"/>
               <a:pPr/>
-              <a:t>6/22/16</a:t>
+              <a:t>6/23/16</a:t>
             </a:fld>
             <a:endParaRPr lang="en-US"/>
           </a:p>
@@ -1832,11 +1832,9 @@
             </a:r>
             <a:r>
               <a:rPr lang="en-US" b="0" baseline="0" dirty="0" smtClean="0"/>
-              <a:t>/tree/master/Instructor-Led/Labs/Module4</a:t>
-            </a:r>
-          </a:p>
-          <a:p>
-            <a:endParaRPr lang="en-US" dirty="0"/>
+              <a:t>/tree/master/Instructor-Led/Module4/Labs/</a:t>
+            </a:r>
+            <a:endParaRPr lang="en-US" b="0" baseline="0" dirty="0" smtClean="0"/>
           </a:p>
         </p:txBody>
       </p:sp>
@@ -2893,7 +2891,7 @@
             <a:fld id="{0459C166-16D3-4A25-A2F8-C51E0E346B22}" type="datetimeFigureOut">
               <a:rPr lang="en-US" smtClean="0"/>
               <a:pPr/>
-              <a:t>6/22/16</a:t>
+              <a:t>6/23/16</a:t>
             </a:fld>
             <a:endParaRPr lang="en-US"/>
           </a:p>
@@ -3259,7 +3257,7 @@
             <a:fld id="{0459C166-16D3-4A25-A2F8-C51E0E346B22}" type="datetimeFigureOut">
               <a:rPr lang="en-US" smtClean="0"/>
               <a:pPr/>
-              <a:t>6/22/16</a:t>
+              <a:t>6/23/16</a:t>
             </a:fld>
             <a:endParaRPr lang="en-US"/>
           </a:p>
@@ -3378,7 +3376,7 @@
             <a:fld id="{0459C166-16D3-4A25-A2F8-C51E0E346B22}" type="datetimeFigureOut">
               <a:rPr lang="en-US" smtClean="0"/>
               <a:pPr/>
-              <a:t>6/22/16</a:t>
+              <a:t>6/23/16</a:t>
             </a:fld>
             <a:endParaRPr lang="en-US"/>
           </a:p>
@@ -3475,7 +3473,7 @@
             <a:fld id="{0459C166-16D3-4A25-A2F8-C51E0E346B22}" type="datetimeFigureOut">
               <a:rPr lang="en-US" smtClean="0"/>
               <a:pPr/>
-              <a:t>6/22/16</a:t>
+              <a:t>6/23/16</a:t>
             </a:fld>
             <a:endParaRPr lang="en-US"/>
           </a:p>
@@ -3752,7 +3750,7 @@
             <a:fld id="{0459C166-16D3-4A25-A2F8-C51E0E346B22}" type="datetimeFigureOut">
               <a:rPr lang="en-US" smtClean="0"/>
               <a:pPr/>
-              <a:t>6/22/16</a:t>
+              <a:t>6/23/16</a:t>
             </a:fld>
             <a:endParaRPr lang="en-US"/>
           </a:p>
@@ -4006,7 +4004,7 @@
             <a:fld id="{0459C166-16D3-4A25-A2F8-C51E0E346B22}" type="datetimeFigureOut">
               <a:rPr lang="en-US" smtClean="0"/>
               <a:pPr/>
-              <a:t>6/22/16</a:t>
+              <a:t>6/23/16</a:t>
             </a:fld>
             <a:endParaRPr lang="en-US"/>
           </a:p>
@@ -4176,7 +4174,7 @@
             <a:fld id="{0459C166-16D3-4A25-A2F8-C51E0E346B22}" type="datetimeFigureOut">
               <a:rPr lang="en-US" smtClean="0"/>
               <a:pPr/>
-              <a:t>6/22/16</a:t>
+              <a:t>6/23/16</a:t>
             </a:fld>
             <a:endParaRPr lang="en-US"/>
           </a:p>
@@ -4356,7 +4354,7 @@
             <a:fld id="{0459C166-16D3-4A25-A2F8-C51E0E346B22}" type="datetimeFigureOut">
               <a:rPr lang="en-US" smtClean="0"/>
               <a:pPr/>
-              <a:t>6/22/16</a:t>
+              <a:t>6/23/16</a:t>
             </a:fld>
             <a:endParaRPr lang="en-US"/>
           </a:p>
@@ -4728,7 +4726,7 @@
                 <a:latin typeface="Segoe UI"/>
               </a:rPr>
               <a:pPr/>
-              <a:t>6/22/16</a:t>
+              <a:t>6/23/16</a:t>
             </a:fld>
             <a:endParaRPr lang="en-US">
               <a:solidFill>
@@ -4933,7 +4931,7 @@
                 <a:latin typeface="Segoe UI"/>
               </a:rPr>
               <a:pPr/>
-              <a:t>6/22/16</a:t>
+              <a:t>6/23/16</a:t>
             </a:fld>
             <a:endParaRPr lang="en-US">
               <a:solidFill>
@@ -5131,7 +5129,7 @@
             <a:fld id="{0459C166-16D3-4A25-A2F8-C51E0E346B22}" type="datetimeFigureOut">
               <a:rPr lang="en-US" smtClean="0"/>
               <a:pPr/>
-              <a:t>6/22/16</a:t>
+              <a:t>6/23/16</a:t>
             </a:fld>
             <a:endParaRPr lang="en-US"/>
           </a:p>
@@ -5401,7 +5399,7 @@
                 <a:latin typeface="Segoe UI"/>
               </a:rPr>
               <a:pPr/>
-              <a:t>6/22/16</a:t>
+              <a:t>6/23/16</a:t>
             </a:fld>
             <a:endParaRPr lang="en-US">
               <a:solidFill>
@@ -5745,7 +5743,7 @@
                 <a:latin typeface="Segoe UI"/>
               </a:rPr>
               <a:pPr/>
-              <a:t>6/22/16</a:t>
+              <a:t>6/23/16</a:t>
             </a:fld>
             <a:endParaRPr lang="en-US">
               <a:solidFill>
@@ -6120,7 +6118,7 @@
                 <a:latin typeface="Segoe UI"/>
               </a:rPr>
               <a:pPr/>
-              <a:t>6/22/16</a:t>
+              <a:t>6/23/16</a:t>
             </a:fld>
             <a:endParaRPr lang="en-US">
               <a:solidFill>
@@ -7064,7 +7062,7 @@
                 <a:latin typeface="Segoe UI"/>
               </a:rPr>
               <a:pPr/>
-              <a:t>6/22/16</a:t>
+              <a:t>6/23/16</a:t>
             </a:fld>
             <a:endParaRPr lang="en-US">
               <a:solidFill>
@@ -7465,7 +7463,7 @@
                 <a:latin typeface="Segoe UI"/>
               </a:rPr>
               <a:pPr/>
-              <a:t>6/22/16</a:t>
+              <a:t>6/23/16</a:t>
             </a:fld>
             <a:endParaRPr lang="en-US">
               <a:solidFill>
@@ -7619,7 +7617,7 @@
                 <a:latin typeface="Segoe UI"/>
               </a:rPr>
               <a:pPr/>
-              <a:t>6/22/16</a:t>
+              <a:t>6/23/16</a:t>
             </a:fld>
             <a:endParaRPr lang="en-US">
               <a:solidFill>
@@ -7751,7 +7749,7 @@
                 <a:latin typeface="Segoe UI"/>
               </a:rPr>
               <a:pPr/>
-              <a:t>6/22/16</a:t>
+              <a:t>6/23/16</a:t>
             </a:fld>
             <a:endParaRPr lang="en-US">
               <a:solidFill>
@@ -8044,7 +8042,7 @@
             <a:fld id="{0459C166-16D3-4A25-A2F8-C51E0E346B22}" type="datetimeFigureOut">
               <a:rPr lang="en-US" smtClean="0"/>
               <a:pPr/>
-              <a:t>6/22/16</a:t>
+              <a:t>6/23/16</a:t>
             </a:fld>
             <a:endParaRPr lang="en-US"/>
           </a:p>
@@ -8344,7 +8342,7 @@
                 <a:latin typeface="Segoe UI"/>
               </a:rPr>
               <a:pPr/>
-              <a:t>6/22/16</a:t>
+              <a:t>6/23/16</a:t>
             </a:fld>
             <a:endParaRPr lang="en-US">
               <a:solidFill>
@@ -8633,7 +8631,7 @@
                 <a:latin typeface="Segoe UI"/>
               </a:rPr>
               <a:pPr/>
-              <a:t>6/22/16</a:t>
+              <a:t>6/23/16</a:t>
             </a:fld>
             <a:endParaRPr lang="en-US">
               <a:solidFill>
@@ -8838,7 +8836,7 @@
                 <a:latin typeface="Segoe UI"/>
               </a:rPr>
               <a:pPr/>
-              <a:t>6/22/16</a:t>
+              <a:t>6/23/16</a:t>
             </a:fld>
             <a:endParaRPr lang="en-US">
               <a:solidFill>
@@ -9053,7 +9051,7 @@
                 <a:latin typeface="Segoe UI"/>
               </a:rPr>
               <a:pPr/>
-              <a:t>6/22/16</a:t>
+              <a:t>6/23/16</a:t>
             </a:fld>
             <a:endParaRPr lang="en-US">
               <a:solidFill>
@@ -9298,7 +9296,7 @@
                 <a:latin typeface="Segoe UI"/>
               </a:rPr>
               <a:pPr/>
-              <a:t>6/22/16</a:t>
+              <a:t>6/23/16</a:t>
             </a:fld>
             <a:endParaRPr lang="en-US">
               <a:solidFill>
@@ -9503,7 +9501,7 @@
                 <a:latin typeface="Segoe UI"/>
               </a:rPr>
               <a:pPr/>
-              <a:t>6/22/16</a:t>
+              <a:t>6/23/16</a:t>
             </a:fld>
             <a:endParaRPr lang="en-US">
               <a:solidFill>
@@ -9801,7 +9799,7 @@
                 <a:latin typeface="Segoe UI"/>
               </a:rPr>
               <a:pPr/>
-              <a:t>6/22/16</a:t>
+              <a:t>6/23/16</a:t>
             </a:fld>
             <a:endParaRPr lang="en-US">
               <a:solidFill>
@@ -10145,7 +10143,7 @@
                 <a:latin typeface="Segoe UI"/>
               </a:rPr>
               <a:pPr/>
-              <a:t>6/22/16</a:t>
+              <a:t>6/23/16</a:t>
             </a:fld>
             <a:endParaRPr lang="en-US">
               <a:solidFill>
@@ -10520,7 +10518,7 @@
                 <a:latin typeface="Segoe UI"/>
               </a:rPr>
               <a:pPr/>
-              <a:t>6/22/16</a:t>
+              <a:t>6/23/16</a:t>
             </a:fld>
             <a:endParaRPr lang="en-US">
               <a:solidFill>
@@ -11646,7 +11644,7 @@
                 <a:latin typeface="Segoe UI"/>
               </a:rPr>
               <a:pPr/>
-              <a:t>6/22/16</a:t>
+              <a:t>6/23/16</a:t>
             </a:fld>
             <a:endParaRPr lang="en-US">
               <a:solidFill>
@@ -12047,7 +12045,7 @@
                 <a:latin typeface="Segoe UI"/>
               </a:rPr>
               <a:pPr/>
-              <a:t>6/22/16</a:t>
+              <a:t>6/23/16</a:t>
             </a:fld>
             <a:endParaRPr lang="en-US">
               <a:solidFill>
@@ -12201,7 +12199,7 @@
                 <a:latin typeface="Segoe UI"/>
               </a:rPr>
               <a:pPr/>
-              <a:t>6/22/16</a:t>
+              <a:t>6/23/16</a:t>
             </a:fld>
             <a:endParaRPr lang="en-US">
               <a:solidFill>
@@ -12333,7 +12331,7 @@
                 <a:latin typeface="Segoe UI"/>
               </a:rPr>
               <a:pPr/>
-              <a:t>6/22/16</a:t>
+              <a:t>6/23/16</a:t>
             </a:fld>
             <a:endParaRPr lang="en-US">
               <a:solidFill>
@@ -12645,7 +12643,7 @@
                 <a:latin typeface="Segoe UI"/>
               </a:rPr>
               <a:pPr/>
-              <a:t>6/22/16</a:t>
+              <a:t>6/23/16</a:t>
             </a:fld>
             <a:endParaRPr lang="en-US">
               <a:solidFill>
@@ -12934,7 +12932,7 @@
                 <a:latin typeface="Segoe UI"/>
               </a:rPr>
               <a:pPr/>
-              <a:t>6/22/16</a:t>
+              <a:t>6/23/16</a:t>
             </a:fld>
             <a:endParaRPr lang="en-US">
               <a:solidFill>
@@ -13139,7 +13137,7 @@
                 <a:latin typeface="Segoe UI"/>
               </a:rPr>
               <a:pPr/>
-              <a:t>6/22/16</a:t>
+              <a:t>6/23/16</a:t>
             </a:fld>
             <a:endParaRPr lang="en-US">
               <a:solidFill>
@@ -13354,7 +13352,7 @@
                 <a:latin typeface="Segoe UI"/>
               </a:rPr>
               <a:pPr/>
-              <a:t>6/22/16</a:t>
+              <a:t>6/23/16</a:t>
             </a:fld>
             <a:endParaRPr lang="en-US">
               <a:solidFill>
@@ -13501,7 +13499,7 @@
             <a:fld id="{0459C166-16D3-4A25-A2F8-C51E0E346B22}" type="datetimeFigureOut">
               <a:rPr lang="en-US" smtClean="0"/>
               <a:pPr/>
-              <a:t>6/22/16</a:t>
+              <a:t>6/23/16</a:t>
             </a:fld>
             <a:endParaRPr lang="en-US"/>
           </a:p>
@@ -17054,7 +17052,7 @@
             <a:fld id="{0459C166-16D3-4A25-A2F8-C51E0E346B22}" type="datetimeFigureOut">
               <a:rPr lang="en-US" smtClean="0"/>
               <a:pPr/>
-              <a:t>6/22/16</a:t>
+              <a:t>6/23/16</a:t>
             </a:fld>
             <a:endParaRPr lang="en-US"/>
           </a:p>
@@ -24629,7 +24627,7 @@
                 <a:latin typeface="Segoe UI"/>
               </a:rPr>
               <a:pPr/>
-              <a:t>6/22/16</a:t>
+              <a:t>6/23/16</a:t>
             </a:fld>
             <a:endParaRPr lang="en-US">
               <a:solidFill>
@@ -25338,7 +25336,7 @@
             <a:fld id="{0459C166-16D3-4A25-A2F8-C51E0E346B22}" type="datetimeFigureOut">
               <a:rPr lang="en-US" smtClean="0"/>
               <a:pPr/>
-              <a:t>6/22/16</a:t>
+              <a:t>6/23/16</a:t>
             </a:fld>
             <a:endParaRPr lang="en-US"/>
           </a:p>
@@ -25551,7 +25549,7 @@
             <a:fld id="{0459C166-16D3-4A25-A2F8-C51E0E346B22}" type="datetimeFigureOut">
               <a:rPr lang="en-US" smtClean="0"/>
               <a:pPr/>
-              <a:t>6/22/16</a:t>
+              <a:t>6/23/16</a:t>
             </a:fld>
             <a:endParaRPr lang="en-US"/>
           </a:p>
@@ -26104,7 +26102,7 @@
                 <a:latin typeface="Segoe UI"/>
               </a:rPr>
               <a:pPr/>
-              <a:t>6/22/16</a:t>
+              <a:t>6/23/16</a:t>
             </a:fld>
             <a:endParaRPr lang="en-US">
               <a:solidFill>
@@ -26684,7 +26682,7 @@
                 <a:latin typeface="Segoe UI"/>
               </a:rPr>
               <a:pPr/>
-              <a:t>6/22/16</a:t>
+              <a:t>6/23/16</a:t>
             </a:fld>
             <a:endParaRPr lang="en-US">
               <a:solidFill>
@@ -41634,7 +41632,7 @@
   <a:extraClrSchemeLst/>
   <a:extLst>
     <a:ext uri="{05A4C25C-085E-4340-85A3-A5531E510DB2}">
-      <thm15:themeFamily xmlns:thm15="http://schemas.microsoft.com/office/thememl/2012/main" xmlns="" name="Office Theme" id="{62F939B6-93AF-4DB8-9C6B-D6C7DFDC589F}" vid="{4A3C46E8-61CC-4603-A589-7422A47A8E4A}"/>
+      <thm15:themeFamily xmlns="" xmlns:thm15="http://schemas.microsoft.com/office/thememl/2012/main" name="Office Theme" id="{62F939B6-93AF-4DB8-9C6B-D6C7DFDC589F}" vid="{4A3C46E8-61CC-4603-A589-7422A47A8E4A}"/>
     </a:ext>
   </a:extLst>
 </a:theme>
@@ -41903,7 +41901,7 @@
   <a:extraClrSchemeLst/>
   <a:extLst>
     <a:ext uri="{05A4C25C-085E-4340-85A3-A5531E510DB2}">
-      <thm15:themeFamily xmlns:thm15="http://schemas.microsoft.com/office/thememl/2012/main" xmlns="" name="Office Theme" id="{62F939B6-93AF-4DB8-9C6B-D6C7DFDC589F}" vid="{4A3C46E8-61CC-4603-A589-7422A47A8E4A}"/>
+      <thm15:themeFamily xmlns="" xmlns:thm15="http://schemas.microsoft.com/office/thememl/2012/main" name="Office Theme" id="{62F939B6-93AF-4DB8-9C6B-D6C7DFDC589F}" vid="{4A3C46E8-61CC-4603-A589-7422A47A8E4A}"/>
     </a:ext>
   </a:extLst>
 </a:theme>
@@ -42172,7 +42170,7 @@
   <a:extraClrSchemeLst/>
   <a:extLst>
     <a:ext uri="{05A4C25C-085E-4340-85A3-A5531E510DB2}">
-      <thm15:themeFamily xmlns:thm15="http://schemas.microsoft.com/office/thememl/2012/main" xmlns="" name="Office Theme" id="{62F939B6-93AF-4DB8-9C6B-D6C7DFDC589F}" vid="{4A3C46E8-61CC-4603-A589-7422A47A8E4A}"/>
+      <thm15:themeFamily xmlns="" xmlns:thm15="http://schemas.microsoft.com/office/thememl/2012/main" name="Office Theme" id="{62F939B6-93AF-4DB8-9C6B-D6C7DFDC589F}" vid="{4A3C46E8-61CC-4603-A589-7422A47A8E4A}"/>
     </a:ext>
   </a:extLst>
 </a:theme>
@@ -42505,7 +42503,7 @@
   <a:extraClrSchemeLst/>
   <a:extLst>
     <a:ext uri="{05A4C25C-085E-4340-85A3-A5531E510DB2}">
-      <thm15:themeFamily xmlns="" xmlns:thm15="http://schemas.microsoft.com/office/thememl/2012/main" name="Azure4ResearchTemplate" id="{DD1C6CE8-BDBA-0D4F-9930-3643ABC8EF0E}" vid="{B5C66FD7-0952-994B-96D6-AB3BB89097FE}"/>
+      <thm15:themeFamily xmlns:thm15="http://schemas.microsoft.com/office/thememl/2012/main" xmlns="" name="Azure4ResearchTemplate" id="{DD1C6CE8-BDBA-0D4F-9930-3643ABC8EF0E}" vid="{B5C66FD7-0952-994B-96D6-AB3BB89097FE}"/>
     </a:ext>
   </a:extLst>
 </a:theme>
@@ -42800,7 +42798,7 @@
   <a:extraClrSchemeLst/>
   <a:extLst>
     <a:ext uri="{05A4C25C-085E-4340-85A3-A5531E510DB2}">
-      <thm15:themeFamily xmlns:thm15="http://schemas.microsoft.com/office/thememl/2012/main" xmlns="" name="Office Theme" id="{62F939B6-93AF-4DB8-9C6B-D6C7DFDC589F}" vid="{4A3C46E8-61CC-4603-A589-7422A47A8E4A}"/>
+      <thm15:themeFamily xmlns="" xmlns:thm15="http://schemas.microsoft.com/office/thememl/2012/main" name="Office Theme" id="{62F939B6-93AF-4DB8-9C6B-D6C7DFDC589F}" vid="{4A3C46E8-61CC-4603-A589-7422A47A8E4A}"/>
     </a:ext>
   </a:extLst>
 </a:theme>
